--- a/Използване на Wikipedia за подобряване на SVD препоръчваща.pptx
+++ b/Използване на Wikipedia за подобряване на SVD препоръчваща.pptx
@@ -111,7 +111,16 @@
       </a:defRPr>
     </a:lvl9pPr>
   </p:defaultTextStyle>
+  <p:extLst>
+    <p:ext uri="{EFAFB233-063F-42B5-8137-9DF3F51BA10A}">
+      <p15:sldGuideLst xmlns:p15="http://schemas.microsoft.com/office/powerpoint/2012/main"/>
+    </p:ext>
+  </p:extLst>
 </p:presentation>
+</file>
+
+<file path=ppt/revisionInfo.xml><?xml version="1.0" encoding="utf-8"?>
+<p1510:revInfo xmlns:a="http://schemas.openxmlformats.org/drawingml/2006/main" xmlns:r="http://schemas.openxmlformats.org/officeDocument/2006/relationships" xmlns:p1510="http://schemas.microsoft.com/office/powerpoint/2015/10/main"/>
 </file>
 
 <file path=ppt/charts/chart1.xml><?xml version="1.0" encoding="utf-8"?>
@@ -191,6 +200,11 @@
               </a:ln>
               <a:effectLst/>
             </c:spPr>
+            <c:extLst>
+              <c:ext xmlns:c16="http://schemas.microsoft.com/office/drawing/2014/chart" uri="{C3380CC4-5D6E-409C-BE32-E72D297353CC}">
+                <c16:uniqueId val="{00000001-CC2C-4B8E-9F29-4BDB566BD5EB}"/>
+              </c:ext>
+            </c:extLst>
           </c:dPt>
           <c:dPt>
             <c:idx val="1"/>
@@ -206,6 +220,11 @@
               </a:ln>
               <a:effectLst/>
             </c:spPr>
+            <c:extLst>
+              <c:ext xmlns:c16="http://schemas.microsoft.com/office/drawing/2014/chart" uri="{C3380CC4-5D6E-409C-BE32-E72D297353CC}">
+                <c16:uniqueId val="{00000003-CC2C-4B8E-9F29-4BDB566BD5EB}"/>
+              </c:ext>
+            </c:extLst>
           </c:dPt>
           <c:cat>
             <c:strRef>
@@ -5658,10 +5677,10 @@
       </p:sp>
       <p:pic>
         <p:nvPicPr>
-          <p:cNvPr id="5" name="Picture 4">
+          <p:cNvPr id="3" name="Picture 2">
             <a:extLst>
               <a:ext uri="{FF2B5EF4-FFF2-40B4-BE49-F238E27FC236}">
-                <a16:creationId xmlns:a16="http://schemas.microsoft.com/office/drawing/2014/main" id="{63EBC38E-194B-4C12-AE36-DB2AC8F173F5}"/>
+                <a16:creationId xmlns:a16="http://schemas.microsoft.com/office/drawing/2014/main" id="{D844AF90-EDC5-40D8-A9D8-08C07BD6D0BF}"/>
               </a:ext>
             </a:extLst>
           </p:cNvPr>
@@ -5678,8 +5697,8 @@
         </p:blipFill>
         <p:spPr>
           <a:xfrm>
-            <a:off x="3512838" y="2229840"/>
-            <a:ext cx="5896947" cy="3797097"/>
+            <a:off x="3272012" y="2171700"/>
+            <a:ext cx="6067425" cy="3838575"/>
           </a:xfrm>
           <a:prstGeom prst="rect">
             <a:avLst/>
